--- a/2.18.11 RAD Lab Demo Slides.pptx
+++ b/2.18.11 RAD Lab Demo Slides.pptx
@@ -1,6 +1,6 @@
 
 <file path=ppt/presentation.xml><?xml version="1.0" encoding="utf-8"?>
-<p:presentation xmlns:a="http://schemas.openxmlformats.org/drawingml/2006/main" xmlns:r="http://schemas.openxmlformats.org/officeDocument/2006/relationships" xmlns:mc="http://schemas.openxmlformats.org/markup-compatibility/2006" xmlns:mv="urn:schemas-microsoft-com:mac:vml" xmlns:p="http://schemas.openxmlformats.org/presentationml/2006/main" mc:Ignorable="mv" mc:PreserveAttributes="mv:*" saveSubsetFonts="1" autoCompressPictures="0">
+<p:presentation xmlns:a="http://schemas.openxmlformats.org/drawingml/2006/main" xmlns:r="http://schemas.openxmlformats.org/officeDocument/2006/relationships" xmlns:mc="http://schemas.openxmlformats.org/markup-compatibility/2006" xmlns:mv="urn:schemas-microsoft-com:mac:vml" xmlns:p="http://schemas.openxmlformats.org/presentationml/2006/main" mc:Ignorable="mv" mc:PreserveAttributes="mv:*" firstSlideNum="0" showSpecialPlsOnTitleSld="0" saveSubsetFonts="1" autoCompressPictures="0">
   <p:sldMasterIdLst>
     <p:sldMasterId id="2147483648" r:id="rId1"/>
   </p:sldMasterIdLst>
@@ -498,6 +498,7 @@
     </p:spTree>
   </p:cSld>
   <p:clrMap bg1="lt1" tx1="dk1" bg2="lt2" tx2="dk2" accent1="accent1" accent2="accent2" accent3="accent3" accent4="accent4" accent5="accent5" accent6="accent6" hlink="hlink" folHlink="folHlink"/>
+  <p:hf hdr="0" ftr="0" dt="0"/>
 </p:handoutMaster>
 </file>
 
@@ -778,6 +779,7 @@
     </p:spTree>
   </p:cSld>
   <p:clrMap bg1="lt1" tx1="dk1" bg2="lt2" tx2="dk2" accent1="accent1" accent2="accent2" accent3="accent3" accent4="accent4" accent5="accent5" accent6="accent6" hlink="hlink" folHlink="folHlink"/>
+  <p:hf hdr="0" ftr="0" dt="0"/>
   <p:notesStyle>
     <a:lvl1pPr algn="l" defTabSz="457200" rtl="0" eaLnBrk="0" fontAlgn="base" hangingPunct="0">
       <a:spcBef>
@@ -991,7 +993,7 @@
             <a:fld id="{C4D5DED3-E02A-CB48-BDC1-47702D60EB25}" type="slidenum">
               <a:rPr lang="en-US" smtClean="0"/>
               <a:pPr/>
-              <a:t>1</a:t>
+              <a:t>0</a:t>
             </a:fld>
             <a:endParaRPr lang="en-US" smtClean="0"/>
           </a:p>
@@ -1081,7 +1083,7 @@
             <a:fld id="{B377427D-5898-B946-BD14-AD31E5A0CB09}" type="slidenum">
               <a:rPr lang="en-US" smtClean="0"/>
               <a:pPr/>
-              <a:t>3</a:t>
+              <a:t>2</a:t>
             </a:fld>
             <a:endParaRPr lang="en-US"/>
           </a:p>
@@ -1167,7 +1169,7 @@
             <a:fld id="{B377427D-5898-B946-BD14-AD31E5A0CB09}" type="slidenum">
               <a:rPr lang="en-US" smtClean="0"/>
               <a:pPr/>
-              <a:t>4</a:t>
+              <a:t>3</a:t>
             </a:fld>
             <a:endParaRPr lang="en-US"/>
           </a:p>
@@ -1290,7 +1292,7 @@
             <a:fld id="{87EDA422-CC38-A74B-8BCD-ACA7F14A652A}" type="slidenum">
               <a:rPr lang="en-US" smtClean="0"/>
               <a:pPr/>
-              <a:t>6</a:t>
+              <a:t>5</a:t>
             </a:fld>
             <a:endParaRPr lang="en-US" smtClean="0"/>
           </a:p>
@@ -1392,7 +1394,7 @@
             <a:fld id="{3CF0ADDC-2587-F146-B416-D6B2A26BA648}" type="slidenum">
               <a:rPr lang="en-US" smtClean="0"/>
               <a:pPr/>
-              <a:t>9</a:t>
+              <a:t>8</a:t>
             </a:fld>
             <a:endParaRPr lang="en-US" smtClean="0"/>
           </a:p>
@@ -1478,7 +1480,7 @@
             <a:fld id="{B377427D-5898-B946-BD14-AD31E5A0CB09}" type="slidenum">
               <a:rPr lang="en-US" smtClean="0"/>
               <a:pPr/>
-              <a:t>14</a:t>
+              <a:t>13</a:t>
             </a:fld>
             <a:endParaRPr lang="en-US"/>
           </a:p>
@@ -1564,7 +1566,7 @@
             <a:fld id="{B377427D-5898-B946-BD14-AD31E5A0CB09}" type="slidenum">
               <a:rPr lang="en-US" smtClean="0"/>
               <a:pPr/>
-              <a:t>21</a:t>
+              <a:t>20</a:t>
             </a:fld>
             <a:endParaRPr lang="en-US"/>
           </a:p>
@@ -4704,6 +4706,7 @@
     <p:sldLayoutId id="2147483789" r:id="rId10"/>
     <p:sldLayoutId id="2147483790" r:id="rId11"/>
   </p:sldLayoutIdLst>
+  <p:hf hdr="0" ftr="0" dt="0"/>
   <p:txStyles>
     <p:titleStyle>
       <a:lvl1pPr algn="ctr" rtl="0" eaLnBrk="0" fontAlgn="base" hangingPunct="0">
@@ -5666,6 +5669,30 @@
           </a:ln>
         </p:spPr>
       </p:pic>
+      <p:sp>
+        <p:nvSpPr>
+          <p:cNvPr id="9" name="Slide Number Placeholder 8"/>
+          <p:cNvSpPr>
+            <a:spLocks noGrp="1"/>
+          </p:cNvSpPr>
+          <p:nvPr>
+            <p:ph type="sldNum" sz="quarter" idx="12"/>
+          </p:nvPr>
+        </p:nvSpPr>
+        <p:spPr/>
+        <p:txBody>
+          <a:bodyPr/>
+          <a:lstStyle/>
+          <a:p>
+            <a:fld id="{2ABD921C-8BF1-0B4B-9241-A7948597B4A4}" type="slidenum">
+              <a:rPr lang="en-US" smtClean="0"/>
+              <a:pPr/>
+              <a:t>9</a:t>
+            </a:fld>
+            <a:endParaRPr lang="en-US"/>
+          </a:p>
+        </p:txBody>
+      </p:sp>
     </p:spTree>
   </p:cSld>
   <p:clrMapOvr>
@@ -5989,6 +6016,30 @@
           </a:ln>
         </p:spPr>
       </p:pic>
+      <p:sp>
+        <p:nvSpPr>
+          <p:cNvPr id="9" name="Slide Number Placeholder 8"/>
+          <p:cNvSpPr>
+            <a:spLocks noGrp="1"/>
+          </p:cNvSpPr>
+          <p:nvPr>
+            <p:ph type="sldNum" sz="quarter" idx="12"/>
+          </p:nvPr>
+        </p:nvSpPr>
+        <p:spPr/>
+        <p:txBody>
+          <a:bodyPr/>
+          <a:lstStyle/>
+          <a:p>
+            <a:fld id="{2ABD921C-8BF1-0B4B-9241-A7948597B4A4}" type="slidenum">
+              <a:rPr lang="en-US" smtClean="0"/>
+              <a:pPr/>
+              <a:t>10</a:t>
+            </a:fld>
+            <a:endParaRPr lang="en-US"/>
+          </a:p>
+        </p:txBody>
+      </p:sp>
     </p:spTree>
   </p:cSld>
   <p:clrMapOvr>
@@ -6344,6 +6395,30 @@
           </a:ln>
         </p:spPr>
       </p:pic>
+      <p:sp>
+        <p:nvSpPr>
+          <p:cNvPr id="9" name="Slide Number Placeholder 8"/>
+          <p:cNvSpPr>
+            <a:spLocks noGrp="1"/>
+          </p:cNvSpPr>
+          <p:nvPr>
+            <p:ph type="sldNum" sz="quarter" idx="12"/>
+          </p:nvPr>
+        </p:nvSpPr>
+        <p:spPr/>
+        <p:txBody>
+          <a:bodyPr/>
+          <a:lstStyle/>
+          <a:p>
+            <a:fld id="{2ABD921C-8BF1-0B4B-9241-A7948597B4A4}" type="slidenum">
+              <a:rPr lang="en-US" smtClean="0"/>
+              <a:pPr/>
+              <a:t>11</a:t>
+            </a:fld>
+            <a:endParaRPr lang="en-US"/>
+          </a:p>
+        </p:txBody>
+      </p:sp>
     </p:spTree>
   </p:cSld>
   <p:clrMapOvr>
@@ -6528,6 +6603,30 @@
           </a:prstGeom>
         </p:spPr>
       </p:pic>
+      <p:sp>
+        <p:nvSpPr>
+          <p:cNvPr id="6" name="Slide Number Placeholder 5"/>
+          <p:cNvSpPr>
+            <a:spLocks noGrp="1"/>
+          </p:cNvSpPr>
+          <p:nvPr>
+            <p:ph type="sldNum" sz="quarter" idx="12"/>
+          </p:nvPr>
+        </p:nvSpPr>
+        <p:spPr/>
+        <p:txBody>
+          <a:bodyPr/>
+          <a:lstStyle/>
+          <a:p>
+            <a:fld id="{2ABD921C-8BF1-0B4B-9241-A7948597B4A4}" type="slidenum">
+              <a:rPr lang="en-US" smtClean="0"/>
+              <a:pPr/>
+              <a:t>12</a:t>
+            </a:fld>
+            <a:endParaRPr lang="en-US"/>
+          </a:p>
+        </p:txBody>
+      </p:sp>
     </p:spTree>
   </p:cSld>
   <p:clrMapOvr>
@@ -6989,6 +7088,30 @@
           </p:txBody>
         </p:sp>
       </p:grpSp>
+      <p:sp>
+        <p:nvSpPr>
+          <p:cNvPr id="18" name="Slide Number Placeholder 17"/>
+          <p:cNvSpPr>
+            <a:spLocks noGrp="1"/>
+          </p:cNvSpPr>
+          <p:nvPr>
+            <p:ph type="sldNum" sz="quarter" idx="12"/>
+          </p:nvPr>
+        </p:nvSpPr>
+        <p:spPr/>
+        <p:txBody>
+          <a:bodyPr/>
+          <a:lstStyle/>
+          <a:p>
+            <a:fld id="{2ABD921C-8BF1-0B4B-9241-A7948597B4A4}" type="slidenum">
+              <a:rPr lang="en-US" smtClean="0"/>
+              <a:pPr/>
+              <a:t>13</a:t>
+            </a:fld>
+            <a:endParaRPr lang="en-US"/>
+          </a:p>
+        </p:txBody>
+      </p:sp>
     </p:spTree>
   </p:cSld>
   <p:clrMapOvr>
@@ -8623,6 +8746,30 @@
           </p:txBody>
         </p:sp>
       </p:grpSp>
+      <p:sp>
+        <p:nvSpPr>
+          <p:cNvPr id="74" name="Slide Number Placeholder 73"/>
+          <p:cNvSpPr>
+            <a:spLocks noGrp="1"/>
+          </p:cNvSpPr>
+          <p:nvPr>
+            <p:ph type="sldNum" sz="quarter" idx="12"/>
+          </p:nvPr>
+        </p:nvSpPr>
+        <p:spPr/>
+        <p:txBody>
+          <a:bodyPr/>
+          <a:lstStyle/>
+          <a:p>
+            <a:fld id="{2ABD921C-8BF1-0B4B-9241-A7948597B4A4}" type="slidenum">
+              <a:rPr lang="en-US" smtClean="0"/>
+              <a:pPr/>
+              <a:t>14</a:t>
+            </a:fld>
+            <a:endParaRPr lang="en-US"/>
+          </a:p>
+        </p:txBody>
+      </p:sp>
     </p:spTree>
   </p:cSld>
   <p:clrMapOvr>
@@ -9030,6 +9177,30 @@
           </a:p>
         </p:txBody>
       </p:sp>
+      <p:sp>
+        <p:nvSpPr>
+          <p:cNvPr id="4" name="Slide Number Placeholder 3"/>
+          <p:cNvSpPr>
+            <a:spLocks noGrp="1"/>
+          </p:cNvSpPr>
+          <p:nvPr>
+            <p:ph type="sldNum" sz="quarter" idx="12"/>
+          </p:nvPr>
+        </p:nvSpPr>
+        <p:spPr/>
+        <p:txBody>
+          <a:bodyPr/>
+          <a:lstStyle/>
+          <a:p>
+            <a:fld id="{2ABD921C-8BF1-0B4B-9241-A7948597B4A4}" type="slidenum">
+              <a:rPr lang="en-US" smtClean="0"/>
+              <a:pPr/>
+              <a:t>15</a:t>
+            </a:fld>
+            <a:endParaRPr lang="en-US"/>
+          </a:p>
+        </p:txBody>
+      </p:sp>
     </p:spTree>
   </p:cSld>
   <p:clrMapOvr>
@@ -9242,6 +9413,30 @@
           </a:p>
         </p:txBody>
       </p:sp>
+      <p:sp>
+        <p:nvSpPr>
+          <p:cNvPr id="4" name="Slide Number Placeholder 3"/>
+          <p:cNvSpPr>
+            <a:spLocks noGrp="1"/>
+          </p:cNvSpPr>
+          <p:nvPr>
+            <p:ph type="sldNum" sz="quarter" idx="12"/>
+          </p:nvPr>
+        </p:nvSpPr>
+        <p:spPr/>
+        <p:txBody>
+          <a:bodyPr/>
+          <a:lstStyle/>
+          <a:p>
+            <a:fld id="{2ABD921C-8BF1-0B4B-9241-A7948597B4A4}" type="slidenum">
+              <a:rPr lang="en-US" smtClean="0"/>
+              <a:pPr/>
+              <a:t>16</a:t>
+            </a:fld>
+            <a:endParaRPr lang="en-US"/>
+          </a:p>
+        </p:txBody>
+      </p:sp>
     </p:spTree>
   </p:cSld>
   <p:clrMapOvr>
@@ -9372,6 +9567,30 @@
               <a:t>user</a:t>
             </a:r>
             <a:endParaRPr lang="en-US" dirty="0" smtClean="0"/>
+          </a:p>
+        </p:txBody>
+      </p:sp>
+      <p:sp>
+        <p:nvSpPr>
+          <p:cNvPr id="4" name="Slide Number Placeholder 3"/>
+          <p:cNvSpPr>
+            <a:spLocks noGrp="1"/>
+          </p:cNvSpPr>
+          <p:nvPr>
+            <p:ph type="sldNum" sz="quarter" idx="12"/>
+          </p:nvPr>
+        </p:nvSpPr>
+        <p:spPr/>
+        <p:txBody>
+          <a:bodyPr/>
+          <a:lstStyle/>
+          <a:p>
+            <a:fld id="{2ABD921C-8BF1-0B4B-9241-A7948597B4A4}" type="slidenum">
+              <a:rPr lang="en-US" smtClean="0"/>
+              <a:pPr/>
+              <a:t>17</a:t>
+            </a:fld>
+            <a:endParaRPr lang="en-US"/>
           </a:p>
         </p:txBody>
       </p:sp>
@@ -9904,6 +10123,30 @@
           </p:style>
         </p:cxnSp>
       </p:grpSp>
+      <p:sp>
+        <p:nvSpPr>
+          <p:cNvPr id="34" name="Slide Number Placeholder 33"/>
+          <p:cNvSpPr>
+            <a:spLocks noGrp="1"/>
+          </p:cNvSpPr>
+          <p:nvPr>
+            <p:ph type="sldNum" sz="quarter" idx="12"/>
+          </p:nvPr>
+        </p:nvSpPr>
+        <p:spPr/>
+        <p:txBody>
+          <a:bodyPr/>
+          <a:lstStyle/>
+          <a:p>
+            <a:fld id="{2ABD921C-8BF1-0B4B-9241-A7948597B4A4}" type="slidenum">
+              <a:rPr lang="en-US" smtClean="0"/>
+              <a:pPr/>
+              <a:t>18</a:t>
+            </a:fld>
+            <a:endParaRPr lang="en-US"/>
+          </a:p>
+        </p:txBody>
+      </p:sp>
     </p:spTree>
   </p:cSld>
   <p:clrMapOvr>
@@ -12343,6 +12586,30 @@
           </a:p>
         </p:txBody>
       </p:sp>
+      <p:sp>
+        <p:nvSpPr>
+          <p:cNvPr id="54" name="Slide Number Placeholder 53"/>
+          <p:cNvSpPr>
+            <a:spLocks noGrp="1"/>
+          </p:cNvSpPr>
+          <p:nvPr>
+            <p:ph type="sldNum" sz="quarter" idx="12"/>
+          </p:nvPr>
+        </p:nvSpPr>
+        <p:spPr/>
+        <p:txBody>
+          <a:bodyPr/>
+          <a:lstStyle/>
+          <a:p>
+            <a:fld id="{BBEAC6BB-A117-B643-9DE1-2779C85F0665}" type="slidenum">
+              <a:rPr lang="en-US" smtClean="0"/>
+              <a:pPr/>
+              <a:t>1</a:t>
+            </a:fld>
+            <a:endParaRPr lang="en-US"/>
+          </a:p>
+        </p:txBody>
+      </p:sp>
     </p:spTree>
   </p:cSld>
   <p:clrMapOvr>
@@ -12590,6 +12857,30 @@
           </p:txBody>
         </p:sp>
       </p:grpSp>
+      <p:sp>
+        <p:nvSpPr>
+          <p:cNvPr id="8" name="Slide Number Placeholder 7"/>
+          <p:cNvSpPr>
+            <a:spLocks noGrp="1"/>
+          </p:cNvSpPr>
+          <p:nvPr>
+            <p:ph type="sldNum" sz="quarter" idx="12"/>
+          </p:nvPr>
+        </p:nvSpPr>
+        <p:spPr/>
+        <p:txBody>
+          <a:bodyPr/>
+          <a:lstStyle/>
+          <a:p>
+            <a:fld id="{2ABD921C-8BF1-0B4B-9241-A7948597B4A4}" type="slidenum">
+              <a:rPr lang="en-US" smtClean="0"/>
+              <a:pPr/>
+              <a:t>19</a:t>
+            </a:fld>
+            <a:endParaRPr lang="en-US"/>
+          </a:p>
+        </p:txBody>
+      </p:sp>
     </p:spTree>
   </p:cSld>
   <p:clrMapOvr>
@@ -13153,6 +13444,30 @@
           </p:txBody>
         </p:sp>
       </p:grpSp>
+      <p:sp>
+        <p:nvSpPr>
+          <p:cNvPr id="27" name="Slide Number Placeholder 26"/>
+          <p:cNvSpPr>
+            <a:spLocks noGrp="1"/>
+          </p:cNvSpPr>
+          <p:nvPr>
+            <p:ph type="sldNum" sz="quarter" idx="12"/>
+          </p:nvPr>
+        </p:nvSpPr>
+        <p:spPr/>
+        <p:txBody>
+          <a:bodyPr/>
+          <a:lstStyle/>
+          <a:p>
+            <a:fld id="{2ABD921C-8BF1-0B4B-9241-A7948597B4A4}" type="slidenum">
+              <a:rPr lang="en-US" smtClean="0"/>
+              <a:pPr/>
+              <a:t>20</a:t>
+            </a:fld>
+            <a:endParaRPr lang="en-US"/>
+          </a:p>
+        </p:txBody>
+      </p:sp>
     </p:spTree>
   </p:cSld>
   <p:clrMapOvr>
@@ -13357,6 +13672,30 @@
           </a:p>
         </p:txBody>
       </p:sp>
+      <p:sp>
+        <p:nvSpPr>
+          <p:cNvPr id="4" name="Slide Number Placeholder 3"/>
+          <p:cNvSpPr>
+            <a:spLocks noGrp="1"/>
+          </p:cNvSpPr>
+          <p:nvPr>
+            <p:ph type="sldNum" sz="quarter" idx="12"/>
+          </p:nvPr>
+        </p:nvSpPr>
+        <p:spPr/>
+        <p:txBody>
+          <a:bodyPr/>
+          <a:lstStyle/>
+          <a:p>
+            <a:fld id="{2ABD921C-8BF1-0B4B-9241-A7948597B4A4}" type="slidenum">
+              <a:rPr lang="en-US" smtClean="0"/>
+              <a:pPr/>
+              <a:t>21</a:t>
+            </a:fld>
+            <a:endParaRPr lang="en-US"/>
+          </a:p>
+        </p:txBody>
+      </p:sp>
     </p:spTree>
   </p:cSld>
   <p:clrMapOvr>
@@ -13547,6 +13886,30 @@
               <a:rPr lang="en-US" sz="3000" dirty="0" smtClean="0"/>
               <a:t>Performance Insight Assistant provides feedback on cardinality choices</a:t>
             </a:r>
+          </a:p>
+        </p:txBody>
+      </p:sp>
+      <p:sp>
+        <p:nvSpPr>
+          <p:cNvPr id="4" name="Slide Number Placeholder 3"/>
+          <p:cNvSpPr>
+            <a:spLocks noGrp="1"/>
+          </p:cNvSpPr>
+          <p:nvPr>
+            <p:ph type="sldNum" sz="quarter" idx="12"/>
+          </p:nvPr>
+        </p:nvSpPr>
+        <p:spPr/>
+        <p:txBody>
+          <a:bodyPr/>
+          <a:lstStyle/>
+          <a:p>
+            <a:fld id="{2ABD921C-8BF1-0B4B-9241-A7948597B4A4}" type="slidenum">
+              <a:rPr lang="en-US" smtClean="0"/>
+              <a:pPr/>
+              <a:t>22</a:t>
+            </a:fld>
+            <a:endParaRPr lang="en-US"/>
           </a:p>
         </p:txBody>
       </p:sp>
@@ -13779,6 +14142,30 @@
           <a:lstStyle/>
           <a:p>
             <a:endParaRPr lang="en-US" dirty="0"/>
+          </a:p>
+        </p:txBody>
+      </p:sp>
+      <p:sp>
+        <p:nvSpPr>
+          <p:cNvPr id="9" name="Slide Number Placeholder 8"/>
+          <p:cNvSpPr>
+            <a:spLocks noGrp="1"/>
+          </p:cNvSpPr>
+          <p:nvPr>
+            <p:ph type="sldNum" sz="quarter" idx="12"/>
+          </p:nvPr>
+        </p:nvSpPr>
+        <p:spPr/>
+        <p:txBody>
+          <a:bodyPr/>
+          <a:lstStyle/>
+          <a:p>
+            <a:fld id="{2ABD921C-8BF1-0B4B-9241-A7948597B4A4}" type="slidenum">
+              <a:rPr lang="en-US" smtClean="0"/>
+              <a:pPr/>
+              <a:t>2</a:t>
+            </a:fld>
+            <a:endParaRPr lang="en-US"/>
           </a:p>
         </p:txBody>
       </p:sp>
@@ -14019,6 +14406,30 @@
           </a:p>
         </p:txBody>
       </p:sp>
+      <p:sp>
+        <p:nvSpPr>
+          <p:cNvPr id="7" name="Slide Number Placeholder 6"/>
+          <p:cNvSpPr>
+            <a:spLocks noGrp="1"/>
+          </p:cNvSpPr>
+          <p:nvPr>
+            <p:ph type="sldNum" sz="quarter" idx="12"/>
+          </p:nvPr>
+        </p:nvSpPr>
+        <p:spPr/>
+        <p:txBody>
+          <a:bodyPr/>
+          <a:lstStyle/>
+          <a:p>
+            <a:fld id="{2ABD921C-8BF1-0B4B-9241-A7948597B4A4}" type="slidenum">
+              <a:rPr lang="en-US" smtClean="0"/>
+              <a:pPr/>
+              <a:t>3</a:t>
+            </a:fld>
+            <a:endParaRPr lang="en-US"/>
+          </a:p>
+        </p:txBody>
+      </p:sp>
     </p:spTree>
   </p:cSld>
   <p:clrMapOvr>
@@ -14284,6 +14695,30 @@
           </a:ln>
         </p:spPr>
       </p:pic>
+      <p:sp>
+        <p:nvSpPr>
+          <p:cNvPr id="9" name="Slide Number Placeholder 8"/>
+          <p:cNvSpPr>
+            <a:spLocks noGrp="1"/>
+          </p:cNvSpPr>
+          <p:nvPr>
+            <p:ph type="sldNum" sz="quarter" idx="12"/>
+          </p:nvPr>
+        </p:nvSpPr>
+        <p:spPr/>
+        <p:txBody>
+          <a:bodyPr/>
+          <a:lstStyle/>
+          <a:p>
+            <a:fld id="{2ABD921C-8BF1-0B4B-9241-A7948597B4A4}" type="slidenum">
+              <a:rPr lang="en-US" smtClean="0"/>
+              <a:pPr/>
+              <a:t>4</a:t>
+            </a:fld>
+            <a:endParaRPr lang="en-US"/>
+          </a:p>
+        </p:txBody>
+      </p:sp>
     </p:spTree>
   </p:cSld>
   <p:clrMapOvr>
@@ -14644,6 +15079,30 @@
           </a:p>
         </p:txBody>
       </p:sp>
+      <p:sp>
+        <p:nvSpPr>
+          <p:cNvPr id="10" name="Slide Number Placeholder 9"/>
+          <p:cNvSpPr>
+            <a:spLocks noGrp="1"/>
+          </p:cNvSpPr>
+          <p:nvPr>
+            <p:ph type="sldNum" sz="quarter" idx="12"/>
+          </p:nvPr>
+        </p:nvSpPr>
+        <p:spPr/>
+        <p:txBody>
+          <a:bodyPr/>
+          <a:lstStyle/>
+          <a:p>
+            <a:fld id="{2ABD921C-8BF1-0B4B-9241-A7948597B4A4}" type="slidenum">
+              <a:rPr lang="en-US" smtClean="0"/>
+              <a:pPr/>
+              <a:t>5</a:t>
+            </a:fld>
+            <a:endParaRPr lang="en-US"/>
+          </a:p>
+        </p:txBody>
+      </p:sp>
     </p:spTree>
   </p:cSld>
   <p:clrMapOvr>
@@ -15085,6 +15544,30 @@
               </a:rPr>
               <a:t>Inherently distributed</a:t>
             </a:r>
+          </a:p>
+        </p:txBody>
+      </p:sp>
+      <p:sp>
+        <p:nvSpPr>
+          <p:cNvPr id="9" name="Slide Number Placeholder 8"/>
+          <p:cNvSpPr>
+            <a:spLocks noGrp="1"/>
+          </p:cNvSpPr>
+          <p:nvPr>
+            <p:ph type="sldNum" sz="quarter" idx="12"/>
+          </p:nvPr>
+        </p:nvSpPr>
+        <p:spPr/>
+        <p:txBody>
+          <a:bodyPr/>
+          <a:lstStyle/>
+          <a:p>
+            <a:fld id="{2ABD921C-8BF1-0B4B-9241-A7948597B4A4}" type="slidenum">
+              <a:rPr lang="en-US" smtClean="0"/>
+              <a:pPr/>
+              <a:t>6</a:t>
+            </a:fld>
+            <a:endParaRPr lang="en-US"/>
           </a:p>
         </p:txBody>
       </p:sp>
@@ -15531,6 +16014,30 @@
           </a:p>
         </p:txBody>
       </p:sp>
+      <p:sp>
+        <p:nvSpPr>
+          <p:cNvPr id="10" name="Slide Number Placeholder 9"/>
+          <p:cNvSpPr>
+            <a:spLocks noGrp="1"/>
+          </p:cNvSpPr>
+          <p:nvPr>
+            <p:ph type="sldNum" sz="quarter" idx="12"/>
+          </p:nvPr>
+        </p:nvSpPr>
+        <p:spPr/>
+        <p:txBody>
+          <a:bodyPr/>
+          <a:lstStyle/>
+          <a:p>
+            <a:fld id="{2ABD921C-8BF1-0B4B-9241-A7948597B4A4}" type="slidenum">
+              <a:rPr lang="en-US" smtClean="0"/>
+              <a:pPr/>
+              <a:t>7</a:t>
+            </a:fld>
+            <a:endParaRPr lang="en-US"/>
+          </a:p>
+        </p:txBody>
+      </p:sp>
     </p:spTree>
   </p:cSld>
   <p:clrMapOvr>
@@ -15842,6 +16349,30 @@
           </a:ln>
         </p:spPr>
       </p:pic>
+      <p:sp>
+        <p:nvSpPr>
+          <p:cNvPr id="9" name="Slide Number Placeholder 8"/>
+          <p:cNvSpPr>
+            <a:spLocks noGrp="1"/>
+          </p:cNvSpPr>
+          <p:nvPr>
+            <p:ph type="sldNum" sz="quarter" idx="12"/>
+          </p:nvPr>
+        </p:nvSpPr>
+        <p:spPr/>
+        <p:txBody>
+          <a:bodyPr/>
+          <a:lstStyle/>
+          <a:p>
+            <a:fld id="{2ABD921C-8BF1-0B4B-9241-A7948597B4A4}" type="slidenum">
+              <a:rPr lang="en-US" smtClean="0"/>
+              <a:pPr/>
+              <a:t>8</a:t>
+            </a:fld>
+            <a:endParaRPr lang="en-US"/>
+          </a:p>
+        </p:txBody>
+      </p:sp>
     </p:spTree>
   </p:cSld>
   <p:clrMapOvr>
